--- a/docs/vldb17/figures/figs.pptx
+++ b/docs/vldb17/figures/figs.pptx
@@ -5,10 +5,11 @@
     <p:sldMasterId id="2147483648" r:id="rId1"/>
   </p:sldMasterIdLst>
   <p:sldIdLst>
-    <p:sldId id="256" r:id="rId2"/>
-    <p:sldId id="258" r:id="rId3"/>
-    <p:sldId id="259" r:id="rId4"/>
-    <p:sldId id="260" r:id="rId5"/>
+    <p:sldId id="261" r:id="rId2"/>
+    <p:sldId id="256" r:id="rId3"/>
+    <p:sldId id="258" r:id="rId4"/>
+    <p:sldId id="259" r:id="rId5"/>
+    <p:sldId id="260" r:id="rId6"/>
   </p:sldIdLst>
   <p:sldSz cx="12192000" cy="6858000"/>
   <p:notesSz cx="6858000" cy="9144000"/>
@@ -246,7 +247,7 @@
           <a:p>
             <a:fld id="{FD14A109-C418-8B47-8BDA-46ACC0338AEA}" type="datetimeFigureOut">
               <a:rPr lang="en-US" smtClean="0"/>
-              <a:t>3/9/17</a:t>
+              <a:t>6/1/17</a:t>
             </a:fld>
             <a:endParaRPr lang="en-US"/>
           </a:p>
@@ -416,7 +417,7 @@
           <a:p>
             <a:fld id="{FD14A109-C418-8B47-8BDA-46ACC0338AEA}" type="datetimeFigureOut">
               <a:rPr lang="en-US" smtClean="0"/>
-              <a:t>3/9/17</a:t>
+              <a:t>6/1/17</a:t>
             </a:fld>
             <a:endParaRPr lang="en-US"/>
           </a:p>
@@ -596,7 +597,7 @@
           <a:p>
             <a:fld id="{FD14A109-C418-8B47-8BDA-46ACC0338AEA}" type="datetimeFigureOut">
               <a:rPr lang="en-US" smtClean="0"/>
-              <a:t>3/9/17</a:t>
+              <a:t>6/1/17</a:t>
             </a:fld>
             <a:endParaRPr lang="en-US"/>
           </a:p>
@@ -766,7 +767,7 @@
           <a:p>
             <a:fld id="{FD14A109-C418-8B47-8BDA-46ACC0338AEA}" type="datetimeFigureOut">
               <a:rPr lang="en-US" smtClean="0"/>
-              <a:t>3/9/17</a:t>
+              <a:t>6/1/17</a:t>
             </a:fld>
             <a:endParaRPr lang="en-US"/>
           </a:p>
@@ -1012,7 +1013,7 @@
           <a:p>
             <a:fld id="{FD14A109-C418-8B47-8BDA-46ACC0338AEA}" type="datetimeFigureOut">
               <a:rPr lang="en-US" smtClean="0"/>
-              <a:t>3/9/17</a:t>
+              <a:t>6/1/17</a:t>
             </a:fld>
             <a:endParaRPr lang="en-US"/>
           </a:p>
@@ -1244,7 +1245,7 @@
           <a:p>
             <a:fld id="{FD14A109-C418-8B47-8BDA-46ACC0338AEA}" type="datetimeFigureOut">
               <a:rPr lang="en-US" smtClean="0"/>
-              <a:t>3/9/17</a:t>
+              <a:t>6/1/17</a:t>
             </a:fld>
             <a:endParaRPr lang="en-US"/>
           </a:p>
@@ -1611,7 +1612,7 @@
           <a:p>
             <a:fld id="{FD14A109-C418-8B47-8BDA-46ACC0338AEA}" type="datetimeFigureOut">
               <a:rPr lang="en-US" smtClean="0"/>
-              <a:t>3/9/17</a:t>
+              <a:t>6/1/17</a:t>
             </a:fld>
             <a:endParaRPr lang="en-US"/>
           </a:p>
@@ -1729,7 +1730,7 @@
           <a:p>
             <a:fld id="{FD14A109-C418-8B47-8BDA-46ACC0338AEA}" type="datetimeFigureOut">
               <a:rPr lang="en-US" smtClean="0"/>
-              <a:t>3/9/17</a:t>
+              <a:t>6/1/17</a:t>
             </a:fld>
             <a:endParaRPr lang="en-US"/>
           </a:p>
@@ -1824,7 +1825,7 @@
           <a:p>
             <a:fld id="{FD14A109-C418-8B47-8BDA-46ACC0338AEA}" type="datetimeFigureOut">
               <a:rPr lang="en-US" smtClean="0"/>
-              <a:t>3/9/17</a:t>
+              <a:t>6/1/17</a:t>
             </a:fld>
             <a:endParaRPr lang="en-US"/>
           </a:p>
@@ -2101,7 +2102,7 @@
           <a:p>
             <a:fld id="{FD14A109-C418-8B47-8BDA-46ACC0338AEA}" type="datetimeFigureOut">
               <a:rPr lang="en-US" smtClean="0"/>
-              <a:t>3/9/17</a:t>
+              <a:t>6/1/17</a:t>
             </a:fld>
             <a:endParaRPr lang="en-US"/>
           </a:p>
@@ -2354,7 +2355,7 @@
           <a:p>
             <a:fld id="{FD14A109-C418-8B47-8BDA-46ACC0338AEA}" type="datetimeFigureOut">
               <a:rPr lang="en-US" smtClean="0"/>
-              <a:t>3/9/17</a:t>
+              <a:t>6/1/17</a:t>
             </a:fld>
             <a:endParaRPr lang="en-US"/>
           </a:p>
@@ -2567,7 +2568,7 @@
           <a:p>
             <a:fld id="{FD14A109-C418-8B47-8BDA-46ACC0338AEA}" type="datetimeFigureOut">
               <a:rPr lang="en-US" smtClean="0"/>
-              <a:t>3/9/17</a:t>
+              <a:t>6/1/17</a:t>
             </a:fld>
             <a:endParaRPr lang="en-US"/>
           </a:p>
@@ -2956,6 +2957,106 @@
 </file>
 
 <file path=ppt/slides/slide1.xml><?xml version="1.0" encoding="utf-8"?>
+<p:sld xmlns:a="http://schemas.openxmlformats.org/drawingml/2006/main" xmlns:r="http://schemas.openxmlformats.org/officeDocument/2006/relationships" xmlns:p="http://schemas.openxmlformats.org/presentationml/2006/main">
+  <p:cSld>
+    <p:spTree>
+      <p:nvGrpSpPr>
+        <p:cNvPr id="1" name=""/>
+        <p:cNvGrpSpPr/>
+        <p:nvPr/>
+      </p:nvGrpSpPr>
+      <p:grpSpPr>
+        <a:xfrm>
+          <a:off x="0" y="0"/>
+          <a:ext cx="0" cy="0"/>
+          <a:chOff x="0" y="0"/>
+          <a:chExt cx="0" cy="0"/>
+        </a:xfrm>
+      </p:grpSpPr>
+      <p:sp>
+        <p:nvSpPr>
+          <p:cNvPr id="4" name="Rectangle 3"/>
+          <p:cNvSpPr/>
+          <p:nvPr/>
+        </p:nvSpPr>
+        <p:spPr>
+          <a:xfrm>
+            <a:off x="4297680" y="2856076"/>
+            <a:ext cx="1625246" cy="838099"/>
+          </a:xfrm>
+          <a:prstGeom prst="rect">
+            <a:avLst/>
+          </a:prstGeom>
+          <a:solidFill>
+            <a:schemeClr val="bg1"/>
+          </a:solidFill>
+          <a:ln w="38100">
+            <a:solidFill>
+              <a:srgbClr val="00B050"/>
+            </a:solidFill>
+          </a:ln>
+        </p:spPr>
+        <p:style>
+          <a:lnRef idx="2">
+            <a:schemeClr val="accent1">
+              <a:shade val="50000"/>
+            </a:schemeClr>
+          </a:lnRef>
+          <a:fillRef idx="1">
+            <a:schemeClr val="accent1"/>
+          </a:fillRef>
+          <a:effectRef idx="0">
+            <a:schemeClr val="accent1"/>
+          </a:effectRef>
+          <a:fontRef idx="minor">
+            <a:schemeClr val="lt1"/>
+          </a:fontRef>
+        </p:style>
+        <p:txBody>
+          <a:bodyPr rtlCol="0" anchor="ctr"/>
+          <a:lstStyle/>
+          <a:p>
+            <a:pPr algn="ctr"/>
+            <a:r>
+              <a:rPr lang="en-US" sz="1100" smtClean="0">
+                <a:solidFill>
+                  <a:schemeClr val="accent6">
+                    <a:lumMod val="75000"/>
+                  </a:schemeClr>
+                </a:solidFill>
+                <a:latin typeface="Raleway" charset="0"/>
+                <a:ea typeface="Raleway" charset="0"/>
+                <a:cs typeface="Raleway" charset="0"/>
+              </a:rPr>
+              <a:t>No Figure</a:t>
+            </a:r>
+            <a:endParaRPr lang="en-US" sz="1100" dirty="0">
+              <a:solidFill>
+                <a:schemeClr val="accent6">
+                  <a:lumMod val="75000"/>
+                </a:schemeClr>
+              </a:solidFill>
+              <a:latin typeface="Raleway" charset="0"/>
+              <a:ea typeface="Raleway" charset="0"/>
+              <a:cs typeface="Raleway" charset="0"/>
+            </a:endParaRPr>
+          </a:p>
+        </p:txBody>
+      </p:sp>
+    </p:spTree>
+    <p:extLst>
+      <p:ext uri="{BB962C8B-B14F-4D97-AF65-F5344CB8AC3E}">
+        <p14:creationId xmlns:p14="http://schemas.microsoft.com/office/powerpoint/2010/main" val="1426719167"/>
+      </p:ext>
+    </p:extLst>
+  </p:cSld>
+  <p:clrMapOvr>
+    <a:masterClrMapping/>
+  </p:clrMapOvr>
+</p:sld>
+</file>
+
+<file path=ppt/slides/slide2.xml><?xml version="1.0" encoding="utf-8"?>
 <p:sld xmlns:a="http://schemas.openxmlformats.org/drawingml/2006/main" xmlns:r="http://schemas.openxmlformats.org/officeDocument/2006/relationships" xmlns:p="http://schemas.openxmlformats.org/presentationml/2006/main">
   <p:cSld>
     <p:spTree>
@@ -6310,7 +6411,7 @@
 </p:sld>
 </file>
 
-<file path=ppt/slides/slide2.xml><?xml version="1.0" encoding="utf-8"?>
+<file path=ppt/slides/slide3.xml><?xml version="1.0" encoding="utf-8"?>
 <p:sld xmlns:a="http://schemas.openxmlformats.org/drawingml/2006/main" xmlns:r="http://schemas.openxmlformats.org/officeDocument/2006/relationships" xmlns:p="http://schemas.openxmlformats.org/presentationml/2006/main">
   <p:cSld>
     <p:spTree>
@@ -9665,7 +9766,7 @@
 </p:sld>
 </file>
 
-<file path=ppt/slides/slide3.xml><?xml version="1.0" encoding="utf-8"?>
+<file path=ppt/slides/slide4.xml><?xml version="1.0" encoding="utf-8"?>
 <p:sld xmlns:a="http://schemas.openxmlformats.org/drawingml/2006/main" xmlns:r="http://schemas.openxmlformats.org/officeDocument/2006/relationships" xmlns:p="http://schemas.openxmlformats.org/presentationml/2006/main">
   <p:cSld>
     <p:spTree>
@@ -10571,16 +10672,6 @@
                 </a:rPr>
                 <a:t>Storage Engines</a:t>
               </a:r>
-              <a:endParaRPr lang="en-US" sz="1600" dirty="0" smtClean="0">
-                <a:solidFill>
-                  <a:schemeClr val="bg1">
-                    <a:lumMod val="50000"/>
-                  </a:schemeClr>
-                </a:solidFill>
-                <a:latin typeface="Raleway" charset="0"/>
-                <a:ea typeface="Raleway" charset="0"/>
-                <a:cs typeface="Raleway" charset="0"/>
-              </a:endParaRPr>
             </a:p>
           </p:txBody>
         </p:sp>
@@ -11662,11 +11753,6 @@
               </a:rPr>
               <a:t>request</a:t>
             </a:r>
-            <a:endParaRPr lang="en-US" sz="1400" dirty="0" smtClean="0">
-              <a:latin typeface="Raleway" charset="0"/>
-              <a:ea typeface="Raleway" charset="0"/>
-              <a:cs typeface="Raleway" charset="0"/>
-            </a:endParaRPr>
           </a:p>
         </p:txBody>
       </p:sp>
@@ -11738,11 +11824,6 @@
               </a:rPr>
               <a:t>update</a:t>
             </a:r>
-            <a:endParaRPr lang="en-US" sz="1400" dirty="0" smtClean="0">
-              <a:latin typeface="Raleway" charset="0"/>
-              <a:ea typeface="Raleway" charset="0"/>
-              <a:cs typeface="Raleway" charset="0"/>
-            </a:endParaRPr>
           </a:p>
         </p:txBody>
       </p:sp>
@@ -11829,16 +11910,6 @@
               </a:rPr>
               <a:t>Predictor</a:t>
             </a:r>
-            <a:endParaRPr lang="en-US" sz="1600" dirty="0" smtClean="0">
-              <a:solidFill>
-                <a:schemeClr val="bg1">
-                  <a:lumMod val="50000"/>
-                </a:schemeClr>
-              </a:solidFill>
-              <a:latin typeface="Raleway" charset="0"/>
-              <a:ea typeface="Raleway" charset="0"/>
-              <a:cs typeface="Raleway" charset="0"/>
-            </a:endParaRPr>
           </a:p>
         </p:txBody>
       </p:sp>
@@ -11884,11 +11955,6 @@
               </a:rPr>
               <a:t>distributions</a:t>
             </a:r>
-            <a:endParaRPr lang="en-US" sz="1400" dirty="0" smtClean="0">
-              <a:latin typeface="Raleway" charset="0"/>
-              <a:ea typeface="Raleway" charset="0"/>
-              <a:cs typeface="Raleway" charset="0"/>
-            </a:endParaRPr>
           </a:p>
         </p:txBody>
       </p:sp>
@@ -11922,11 +11988,6 @@
               </a:rPr>
               <a:t>Write head</a:t>
             </a:r>
-            <a:endParaRPr lang="en-US" sz="1050" smtClean="0">
-              <a:latin typeface="Raleway" charset="0"/>
-              <a:ea typeface="Raleway" charset="0"/>
-              <a:cs typeface="Raleway" charset="0"/>
-            </a:endParaRPr>
           </a:p>
         </p:txBody>
       </p:sp>
@@ -12477,16 +12538,6 @@
               </a:rPr>
               <a:t>Scheduler</a:t>
             </a:r>
-            <a:endParaRPr lang="en-US" sz="1600" dirty="0" smtClean="0">
-              <a:solidFill>
-                <a:schemeClr val="bg1">
-                  <a:lumMod val="50000"/>
-                </a:schemeClr>
-              </a:solidFill>
-              <a:latin typeface="Raleway" charset="0"/>
-              <a:ea typeface="Raleway" charset="0"/>
-              <a:cs typeface="Raleway" charset="0"/>
-            </a:endParaRPr>
           </a:p>
         </p:txBody>
       </p:sp>
@@ -12653,11 +12704,6 @@
               </a:rPr>
               <a:t>requests</a:t>
             </a:r>
-            <a:endParaRPr lang="en-US" sz="1400" dirty="0" smtClean="0">
-              <a:latin typeface="Raleway" charset="0"/>
-              <a:ea typeface="Raleway" charset="0"/>
-              <a:cs typeface="Raleway" charset="0"/>
-            </a:endParaRPr>
           </a:p>
         </p:txBody>
       </p:sp>
@@ -12742,11 +12788,6 @@
               </a:rPr>
               <a:t>responses</a:t>
             </a:r>
-            <a:endParaRPr lang="en-US" sz="1400" dirty="0" smtClean="0">
-              <a:latin typeface="Raleway" charset="0"/>
-              <a:ea typeface="Raleway" charset="0"/>
-              <a:cs typeface="Raleway" charset="0"/>
-            </a:endParaRPr>
           </a:p>
         </p:txBody>
       </p:sp>
@@ -13991,7 +14032,7 @@
 </p:sld>
 </file>
 
-<file path=ppt/slides/slide4.xml><?xml version="1.0" encoding="utf-8"?>
+<file path=ppt/slides/slide5.xml><?xml version="1.0" encoding="utf-8"?>
 <p:sld xmlns:a="http://schemas.openxmlformats.org/drawingml/2006/main" xmlns:r="http://schemas.openxmlformats.org/officeDocument/2006/relationships" xmlns:p="http://schemas.openxmlformats.org/presentationml/2006/main">
   <p:cSld>
     <p:spTree>
